--- a/Pitch/Pantheon Pitch.pptx
+++ b/Pitch/Pantheon Pitch.pptx
@@ -6,18 +6,20 @@
     <p:sldMasterId id="2147483661" r:id="rId2"/>
   </p:sldMasterIdLst>
   <p:notesMasterIdLst>
-    <p:notesMasterId r:id="rId12"/>
+    <p:notesMasterId r:id="rId14"/>
   </p:notesMasterIdLst>
   <p:sldIdLst>
     <p:sldId id="259" r:id="rId3"/>
     <p:sldId id="260" r:id="rId4"/>
-    <p:sldId id="262" r:id="rId5"/>
-    <p:sldId id="263" r:id="rId6"/>
-    <p:sldId id="257" r:id="rId7"/>
-    <p:sldId id="258" r:id="rId8"/>
-    <p:sldId id="264" r:id="rId9"/>
-    <p:sldId id="265" r:id="rId10"/>
-    <p:sldId id="261" r:id="rId11"/>
+    <p:sldId id="266" r:id="rId5"/>
+    <p:sldId id="262" r:id="rId6"/>
+    <p:sldId id="263" r:id="rId7"/>
+    <p:sldId id="267" r:id="rId8"/>
+    <p:sldId id="257" r:id="rId9"/>
+    <p:sldId id="258" r:id="rId10"/>
+    <p:sldId id="264" r:id="rId11"/>
+    <p:sldId id="265" r:id="rId12"/>
+    <p:sldId id="261" r:id="rId13"/>
   </p:sldIdLst>
   <p:sldSz cx="12192000" cy="6858000"/>
   <p:notesSz cx="6858000" cy="9144000"/>
@@ -116,7 +118,16 @@
       </a:defRPr>
     </a:lvl9pPr>
   </p:defaultTextStyle>
+  <p:extLst>
+    <p:ext uri="{EFAFB233-063F-42B5-8137-9DF3F51BA10A}">
+      <p15:sldGuideLst xmlns:p15="http://schemas.microsoft.com/office/powerpoint/2012/main"/>
+    </p:ext>
+  </p:extLst>
 </p:presentation>
+</file>
+
+<file path=ppt/revisionInfo.xml><?xml version="1.0" encoding="utf-8"?>
+<p1510:revInfo xmlns:a="http://schemas.openxmlformats.org/drawingml/2006/main" xmlns:r="http://schemas.openxmlformats.org/officeDocument/2006/relationships" xmlns:p1510="http://schemas.microsoft.com/office/powerpoint/2015/10/main"/>
 </file>
 
 <file path=ppt/notesMasters/notesMaster1.xml><?xml version="1.0" encoding="utf-8"?>
@@ -201,7 +212,7 @@
           <a:p>
             <a:fld id="{581C2619-4679-4711-9D02-47B8079596C0}" type="datetimeFigureOut">
               <a:rPr lang="en-NZ" smtClean="0"/>
-              <a:t>2/03/2018</a:t>
+              <a:t>25/03/2018</a:t>
             </a:fld>
             <a:endParaRPr lang="en-NZ"/>
           </a:p>
@@ -265,35 +276,35 @@
           <a:p>
             <a:pPr lvl="0"/>
             <a:r>
-              <a:rPr lang="en-US" smtClean="0"/>
+              <a:rPr lang="en-US"/>
               <a:t>Edit Master text styles</a:t>
             </a:r>
           </a:p>
           <a:p>
             <a:pPr lvl="1"/>
             <a:r>
-              <a:rPr lang="en-US" smtClean="0"/>
+              <a:rPr lang="en-US"/>
               <a:t>Second level</a:t>
             </a:r>
           </a:p>
           <a:p>
             <a:pPr lvl="2"/>
             <a:r>
-              <a:rPr lang="en-US" smtClean="0"/>
+              <a:rPr lang="en-US"/>
               <a:t>Third level</a:t>
             </a:r>
           </a:p>
           <a:p>
             <a:pPr lvl="3"/>
             <a:r>
-              <a:rPr lang="en-US" smtClean="0"/>
+              <a:rPr lang="en-US"/>
               <a:t>Fourth level</a:t>
             </a:r>
           </a:p>
           <a:p>
             <a:pPr lvl="4"/>
             <a:r>
-              <a:rPr lang="en-US" smtClean="0"/>
+              <a:rPr lang="en-US"/>
               <a:t>Fifth level</a:t>
             </a:r>
             <a:endParaRPr lang="en-NZ"/>
@@ -1155,7 +1166,7 @@
           </a:lstStyle>
           <a:p>
             <a:r>
-              <a:rPr lang="en-US" smtClean="0"/>
+              <a:rPr lang="en-US"/>
               <a:t>Click to edit Master title style</a:t>
             </a:r>
             <a:endParaRPr lang="en-NZ"/>
@@ -1220,7 +1231,7 @@
           </a:lstStyle>
           <a:p>
             <a:r>
-              <a:rPr lang="en-US" smtClean="0"/>
+              <a:rPr lang="en-US"/>
               <a:t>Click to edit Master subtitle style</a:t>
             </a:r>
             <a:endParaRPr lang="en-NZ"/>
@@ -1244,7 +1255,7 @@
           <a:p>
             <a:fld id="{8251AF71-3C3F-48A3-98C1-0CA9A770BEA3}" type="datetimeFigureOut">
               <a:rPr lang="en-NZ" smtClean="0"/>
-              <a:t>2/03/2018</a:t>
+              <a:t>25/03/2018</a:t>
             </a:fld>
             <a:endParaRPr lang="en-NZ"/>
           </a:p>
@@ -1338,7 +1349,7 @@
           <a:lstStyle/>
           <a:p>
             <a:r>
-              <a:rPr lang="en-US" smtClean="0"/>
+              <a:rPr lang="en-US"/>
               <a:t>Click to edit Master title style</a:t>
             </a:r>
             <a:endParaRPr lang="en-NZ"/>
@@ -1362,35 +1373,35 @@
           <a:p>
             <a:pPr lvl="0"/>
             <a:r>
-              <a:rPr lang="en-US" smtClean="0"/>
+              <a:rPr lang="en-US"/>
               <a:t>Edit Master text styles</a:t>
             </a:r>
           </a:p>
           <a:p>
             <a:pPr lvl="1"/>
             <a:r>
-              <a:rPr lang="en-US" smtClean="0"/>
+              <a:rPr lang="en-US"/>
               <a:t>Second level</a:t>
             </a:r>
           </a:p>
           <a:p>
             <a:pPr lvl="2"/>
             <a:r>
-              <a:rPr lang="en-US" smtClean="0"/>
+              <a:rPr lang="en-US"/>
               <a:t>Third level</a:t>
             </a:r>
           </a:p>
           <a:p>
             <a:pPr lvl="3"/>
             <a:r>
-              <a:rPr lang="en-US" smtClean="0"/>
+              <a:rPr lang="en-US"/>
               <a:t>Fourth level</a:t>
             </a:r>
           </a:p>
           <a:p>
             <a:pPr lvl="4"/>
             <a:r>
-              <a:rPr lang="en-US" smtClean="0"/>
+              <a:rPr lang="en-US"/>
               <a:t>Fifth level</a:t>
             </a:r>
             <a:endParaRPr lang="en-NZ"/>
@@ -1414,7 +1425,7 @@
           <a:p>
             <a:fld id="{8251AF71-3C3F-48A3-98C1-0CA9A770BEA3}" type="datetimeFigureOut">
               <a:rPr lang="en-NZ" smtClean="0"/>
-              <a:t>2/03/2018</a:t>
+              <a:t>25/03/2018</a:t>
             </a:fld>
             <a:endParaRPr lang="en-NZ"/>
           </a:p>
@@ -1513,7 +1524,7 @@
           <a:lstStyle/>
           <a:p>
             <a:r>
-              <a:rPr lang="en-US" smtClean="0"/>
+              <a:rPr lang="en-US"/>
               <a:t>Click to edit Master title style</a:t>
             </a:r>
             <a:endParaRPr lang="en-NZ"/>
@@ -1542,35 +1553,35 @@
           <a:p>
             <a:pPr lvl="0"/>
             <a:r>
-              <a:rPr lang="en-US" smtClean="0"/>
+              <a:rPr lang="en-US"/>
               <a:t>Edit Master text styles</a:t>
             </a:r>
           </a:p>
           <a:p>
             <a:pPr lvl="1"/>
             <a:r>
-              <a:rPr lang="en-US" smtClean="0"/>
+              <a:rPr lang="en-US"/>
               <a:t>Second level</a:t>
             </a:r>
           </a:p>
           <a:p>
             <a:pPr lvl="2"/>
             <a:r>
-              <a:rPr lang="en-US" smtClean="0"/>
+              <a:rPr lang="en-US"/>
               <a:t>Third level</a:t>
             </a:r>
           </a:p>
           <a:p>
             <a:pPr lvl="3"/>
             <a:r>
-              <a:rPr lang="en-US" smtClean="0"/>
+              <a:rPr lang="en-US"/>
               <a:t>Fourth level</a:t>
             </a:r>
           </a:p>
           <a:p>
             <a:pPr lvl="4"/>
             <a:r>
-              <a:rPr lang="en-US" smtClean="0"/>
+              <a:rPr lang="en-US"/>
               <a:t>Fifth level</a:t>
             </a:r>
             <a:endParaRPr lang="en-NZ"/>
@@ -1594,7 +1605,7 @@
           <a:p>
             <a:fld id="{8251AF71-3C3F-48A3-98C1-0CA9A770BEA3}" type="datetimeFigureOut">
               <a:rPr lang="en-NZ" smtClean="0"/>
-              <a:t>2/03/2018</a:t>
+              <a:t>25/03/2018</a:t>
             </a:fld>
             <a:endParaRPr lang="en-NZ"/>
           </a:p>
@@ -2235,7 +2246,7 @@
                 <a:tabLst/>
                 <a:defRPr/>
               </a:pPr>
-              <a:t>2/03/2018</a:t>
+              <a:t>25/03/2018</a:t>
             </a:fld>
             <a:endParaRPr kumimoji="0" lang="en-NZ" sz="1200" b="0" i="0" u="none" strike="noStrike" kern="1200" cap="none" spc="0" normalizeH="0" baseline="0" noProof="0">
               <a:ln>
@@ -2595,7 +2606,7 @@
                 <a:tabLst/>
                 <a:defRPr/>
               </a:pPr>
-              <a:t>2/03/2018</a:t>
+              <a:t>25/03/2018</a:t>
             </a:fld>
             <a:endParaRPr kumimoji="0" lang="en-NZ" sz="1200" b="0" i="0" u="none" strike="noStrike" kern="1200" cap="none" spc="0" normalizeH="0" baseline="0" noProof="0">
               <a:ln>
@@ -3031,7 +3042,7 @@
                 <a:tabLst/>
                 <a:defRPr/>
               </a:pPr>
-              <a:t>2/03/2018</a:t>
+              <a:t>25/03/2018</a:t>
             </a:fld>
             <a:endParaRPr kumimoji="0" lang="en-NZ" sz="1200" b="0" i="0" u="none" strike="noStrike" kern="1200" cap="none" spc="0" normalizeH="0" baseline="0" noProof="0">
               <a:ln>
@@ -3459,7 +3470,7 @@
                 <a:tabLst/>
                 <a:defRPr/>
               </a:pPr>
-              <a:t>2/03/2018</a:t>
+              <a:t>25/03/2018</a:t>
             </a:fld>
             <a:endParaRPr kumimoji="0" lang="en-NZ" sz="1200" b="0" i="0" u="none" strike="noStrike" kern="1200" cap="none" spc="0" normalizeH="0" baseline="0" noProof="0">
               <a:ln>
@@ -4034,7 +4045,7 @@
                 <a:tabLst/>
                 <a:defRPr/>
               </a:pPr>
-              <a:t>2/03/2018</a:t>
+              <a:t>25/03/2018</a:t>
             </a:fld>
             <a:endParaRPr kumimoji="0" lang="en-NZ" sz="1200" b="0" i="0" u="none" strike="noStrike" kern="1200" cap="none" spc="0" normalizeH="0" baseline="0" noProof="0">
               <a:ln>
@@ -4336,7 +4347,7 @@
                 <a:tabLst/>
                 <a:defRPr/>
               </a:pPr>
-              <a:t>2/03/2018</a:t>
+              <a:t>25/03/2018</a:t>
             </a:fld>
             <a:endParaRPr kumimoji="0" lang="en-NZ" sz="1200" b="0" i="0" u="none" strike="noStrike" kern="1200" cap="none" spc="0" normalizeH="0" baseline="0" noProof="0">
               <a:ln>
@@ -4609,7 +4620,7 @@
                 <a:tabLst/>
                 <a:defRPr/>
               </a:pPr>
-              <a:t>2/03/2018</a:t>
+              <a:t>25/03/2018</a:t>
             </a:fld>
             <a:endParaRPr kumimoji="0" lang="en-NZ" sz="1200" b="0" i="0" u="none" strike="noStrike" kern="1200" cap="none" spc="0" normalizeH="0" baseline="0" noProof="0">
               <a:ln>
@@ -4826,7 +4837,7 @@
           <a:lstStyle/>
           <a:p>
             <a:r>
-              <a:rPr lang="en-US" smtClean="0"/>
+              <a:rPr lang="en-US"/>
               <a:t>Click to edit Master title style</a:t>
             </a:r>
             <a:endParaRPr lang="en-NZ"/>
@@ -4850,35 +4861,35 @@
           <a:p>
             <a:pPr lvl="0"/>
             <a:r>
-              <a:rPr lang="en-US" smtClean="0"/>
+              <a:rPr lang="en-US"/>
               <a:t>Edit Master text styles</a:t>
             </a:r>
           </a:p>
           <a:p>
             <a:pPr lvl="1"/>
             <a:r>
-              <a:rPr lang="en-US" smtClean="0"/>
+              <a:rPr lang="en-US"/>
               <a:t>Second level</a:t>
             </a:r>
           </a:p>
           <a:p>
             <a:pPr lvl="2"/>
             <a:r>
-              <a:rPr lang="en-US" smtClean="0"/>
+              <a:rPr lang="en-US"/>
               <a:t>Third level</a:t>
             </a:r>
           </a:p>
           <a:p>
             <a:pPr lvl="3"/>
             <a:r>
-              <a:rPr lang="en-US" smtClean="0"/>
+              <a:rPr lang="en-US"/>
               <a:t>Fourth level</a:t>
             </a:r>
           </a:p>
           <a:p>
             <a:pPr lvl="4"/>
             <a:r>
-              <a:rPr lang="en-US" smtClean="0"/>
+              <a:rPr lang="en-US"/>
               <a:t>Fifth level</a:t>
             </a:r>
             <a:endParaRPr lang="en-NZ"/>
@@ -4902,7 +4913,7 @@
           <a:p>
             <a:fld id="{8251AF71-3C3F-48A3-98C1-0CA9A770BEA3}" type="datetimeFigureOut">
               <a:rPr lang="en-NZ" smtClean="0"/>
-              <a:t>2/03/2018</a:t>
+              <a:t>25/03/2018</a:t>
             </a:fld>
             <a:endParaRPr lang="en-NZ"/>
           </a:p>
@@ -5252,7 +5263,7 @@
                 <a:tabLst/>
                 <a:defRPr/>
               </a:pPr>
-              <a:t>2/03/2018</a:t>
+              <a:t>25/03/2018</a:t>
             </a:fld>
             <a:endParaRPr kumimoji="0" lang="en-NZ" sz="1200" b="0" i="0" u="none" strike="noStrike" kern="1200" cap="none" spc="0" normalizeH="0" baseline="0" noProof="0">
               <a:ln>
@@ -5701,7 +5712,7 @@
                 <a:tabLst/>
                 <a:defRPr/>
               </a:pPr>
-              <a:t>2/03/2018</a:t>
+              <a:t>25/03/2018</a:t>
             </a:fld>
             <a:endParaRPr kumimoji="0" lang="en-NZ" sz="1200" b="0" i="0" u="none" strike="noStrike" kern="1200" cap="none" spc="0" normalizeH="0" baseline="0" noProof="0">
               <a:ln>
@@ -6061,7 +6072,7 @@
                 <a:tabLst/>
                 <a:defRPr/>
               </a:pPr>
-              <a:t>2/03/2018</a:t>
+              <a:t>25/03/2018</a:t>
             </a:fld>
             <a:endParaRPr kumimoji="0" lang="en-NZ" sz="1200" b="0" i="0" u="none" strike="noStrike" kern="1200" cap="none" spc="0" normalizeH="0" baseline="0" noProof="0">
               <a:ln>
@@ -6431,7 +6442,7 @@
                 <a:tabLst/>
                 <a:defRPr/>
               </a:pPr>
-              <a:t>2/03/2018</a:t>
+              <a:t>25/03/2018</a:t>
             </a:fld>
             <a:endParaRPr kumimoji="0" lang="en-NZ" sz="1200" b="0" i="0" u="none" strike="noStrike" kern="1200" cap="none" spc="0" normalizeH="0" baseline="0" noProof="0">
               <a:ln>
@@ -6657,7 +6668,7 @@
           </a:lstStyle>
           <a:p>
             <a:r>
-              <a:rPr lang="en-US" smtClean="0"/>
+              <a:rPr lang="en-US"/>
               <a:t>Click to edit Master title style</a:t>
             </a:r>
             <a:endParaRPr lang="en-NZ"/>
@@ -6777,7 +6788,7 @@
           <a:p>
             <a:pPr lvl="0"/>
             <a:r>
-              <a:rPr lang="en-US" smtClean="0"/>
+              <a:rPr lang="en-US"/>
               <a:t>Edit Master text styles</a:t>
             </a:r>
           </a:p>
@@ -6800,7 +6811,7 @@
           <a:p>
             <a:fld id="{8251AF71-3C3F-48A3-98C1-0CA9A770BEA3}" type="datetimeFigureOut">
               <a:rPr lang="en-NZ" smtClean="0"/>
-              <a:t>2/03/2018</a:t>
+              <a:t>25/03/2018</a:t>
             </a:fld>
             <a:endParaRPr lang="en-NZ"/>
           </a:p>
@@ -6894,7 +6905,7 @@
           <a:lstStyle/>
           <a:p>
             <a:r>
-              <a:rPr lang="en-US" smtClean="0"/>
+              <a:rPr lang="en-US"/>
               <a:t>Click to edit Master title style</a:t>
             </a:r>
             <a:endParaRPr lang="en-NZ"/>
@@ -6923,35 +6934,35 @@
           <a:p>
             <a:pPr lvl="0"/>
             <a:r>
-              <a:rPr lang="en-US" smtClean="0"/>
+              <a:rPr lang="en-US"/>
               <a:t>Edit Master text styles</a:t>
             </a:r>
           </a:p>
           <a:p>
             <a:pPr lvl="1"/>
             <a:r>
-              <a:rPr lang="en-US" smtClean="0"/>
+              <a:rPr lang="en-US"/>
               <a:t>Second level</a:t>
             </a:r>
           </a:p>
           <a:p>
             <a:pPr lvl="2"/>
             <a:r>
-              <a:rPr lang="en-US" smtClean="0"/>
+              <a:rPr lang="en-US"/>
               <a:t>Third level</a:t>
             </a:r>
           </a:p>
           <a:p>
             <a:pPr lvl="3"/>
             <a:r>
-              <a:rPr lang="en-US" smtClean="0"/>
+              <a:rPr lang="en-US"/>
               <a:t>Fourth level</a:t>
             </a:r>
           </a:p>
           <a:p>
             <a:pPr lvl="4"/>
             <a:r>
-              <a:rPr lang="en-US" smtClean="0"/>
+              <a:rPr lang="en-US"/>
               <a:t>Fifth level</a:t>
             </a:r>
             <a:endParaRPr lang="en-NZ"/>
@@ -6980,35 +6991,35 @@
           <a:p>
             <a:pPr lvl="0"/>
             <a:r>
-              <a:rPr lang="en-US" smtClean="0"/>
+              <a:rPr lang="en-US"/>
               <a:t>Edit Master text styles</a:t>
             </a:r>
           </a:p>
           <a:p>
             <a:pPr lvl="1"/>
             <a:r>
-              <a:rPr lang="en-US" smtClean="0"/>
+              <a:rPr lang="en-US"/>
               <a:t>Second level</a:t>
             </a:r>
           </a:p>
           <a:p>
             <a:pPr lvl="2"/>
             <a:r>
-              <a:rPr lang="en-US" smtClean="0"/>
+              <a:rPr lang="en-US"/>
               <a:t>Third level</a:t>
             </a:r>
           </a:p>
           <a:p>
             <a:pPr lvl="3"/>
             <a:r>
-              <a:rPr lang="en-US" smtClean="0"/>
+              <a:rPr lang="en-US"/>
               <a:t>Fourth level</a:t>
             </a:r>
           </a:p>
           <a:p>
             <a:pPr lvl="4"/>
             <a:r>
-              <a:rPr lang="en-US" smtClean="0"/>
+              <a:rPr lang="en-US"/>
               <a:t>Fifth level</a:t>
             </a:r>
             <a:endParaRPr lang="en-NZ"/>
@@ -7032,7 +7043,7 @@
           <a:p>
             <a:fld id="{8251AF71-3C3F-48A3-98C1-0CA9A770BEA3}" type="datetimeFigureOut">
               <a:rPr lang="en-NZ" smtClean="0"/>
-              <a:t>2/03/2018</a:t>
+              <a:t>25/03/2018</a:t>
             </a:fld>
             <a:endParaRPr lang="en-NZ"/>
           </a:p>
@@ -7131,7 +7142,7 @@
           <a:lstStyle/>
           <a:p>
             <a:r>
-              <a:rPr lang="en-US" smtClean="0"/>
+              <a:rPr lang="en-US"/>
               <a:t>Click to edit Master title style</a:t>
             </a:r>
             <a:endParaRPr lang="en-NZ"/>
@@ -7197,7 +7208,7 @@
           <a:p>
             <a:pPr lvl="0"/>
             <a:r>
-              <a:rPr lang="en-US" smtClean="0"/>
+              <a:rPr lang="en-US"/>
               <a:t>Edit Master text styles</a:t>
             </a:r>
           </a:p>
@@ -7225,35 +7236,35 @@
           <a:p>
             <a:pPr lvl="0"/>
             <a:r>
-              <a:rPr lang="en-US" smtClean="0"/>
+              <a:rPr lang="en-US"/>
               <a:t>Edit Master text styles</a:t>
             </a:r>
           </a:p>
           <a:p>
             <a:pPr lvl="1"/>
             <a:r>
-              <a:rPr lang="en-US" smtClean="0"/>
+              <a:rPr lang="en-US"/>
               <a:t>Second level</a:t>
             </a:r>
           </a:p>
           <a:p>
             <a:pPr lvl="2"/>
             <a:r>
-              <a:rPr lang="en-US" smtClean="0"/>
+              <a:rPr lang="en-US"/>
               <a:t>Third level</a:t>
             </a:r>
           </a:p>
           <a:p>
             <a:pPr lvl="3"/>
             <a:r>
-              <a:rPr lang="en-US" smtClean="0"/>
+              <a:rPr lang="en-US"/>
               <a:t>Fourth level</a:t>
             </a:r>
           </a:p>
           <a:p>
             <a:pPr lvl="4"/>
             <a:r>
-              <a:rPr lang="en-US" smtClean="0"/>
+              <a:rPr lang="en-US"/>
               <a:t>Fifth level</a:t>
             </a:r>
             <a:endParaRPr lang="en-NZ"/>
@@ -7319,7 +7330,7 @@
           <a:p>
             <a:pPr lvl="0"/>
             <a:r>
-              <a:rPr lang="en-US" smtClean="0"/>
+              <a:rPr lang="en-US"/>
               <a:t>Edit Master text styles</a:t>
             </a:r>
           </a:p>
@@ -7347,35 +7358,35 @@
           <a:p>
             <a:pPr lvl="0"/>
             <a:r>
-              <a:rPr lang="en-US" smtClean="0"/>
+              <a:rPr lang="en-US"/>
               <a:t>Edit Master text styles</a:t>
             </a:r>
           </a:p>
           <a:p>
             <a:pPr lvl="1"/>
             <a:r>
-              <a:rPr lang="en-US" smtClean="0"/>
+              <a:rPr lang="en-US"/>
               <a:t>Second level</a:t>
             </a:r>
           </a:p>
           <a:p>
             <a:pPr lvl="2"/>
             <a:r>
-              <a:rPr lang="en-US" smtClean="0"/>
+              <a:rPr lang="en-US"/>
               <a:t>Third level</a:t>
             </a:r>
           </a:p>
           <a:p>
             <a:pPr lvl="3"/>
             <a:r>
-              <a:rPr lang="en-US" smtClean="0"/>
+              <a:rPr lang="en-US"/>
               <a:t>Fourth level</a:t>
             </a:r>
           </a:p>
           <a:p>
             <a:pPr lvl="4"/>
             <a:r>
-              <a:rPr lang="en-US" smtClean="0"/>
+              <a:rPr lang="en-US"/>
               <a:t>Fifth level</a:t>
             </a:r>
             <a:endParaRPr lang="en-NZ"/>
@@ -7399,7 +7410,7 @@
           <a:p>
             <a:fld id="{8251AF71-3C3F-48A3-98C1-0CA9A770BEA3}" type="datetimeFigureOut">
               <a:rPr lang="en-NZ" smtClean="0"/>
-              <a:t>2/03/2018</a:t>
+              <a:t>25/03/2018</a:t>
             </a:fld>
             <a:endParaRPr lang="en-NZ"/>
           </a:p>
@@ -7493,7 +7504,7 @@
           <a:lstStyle/>
           <a:p>
             <a:r>
-              <a:rPr lang="en-US" smtClean="0"/>
+              <a:rPr lang="en-US"/>
               <a:t>Click to edit Master title style</a:t>
             </a:r>
             <a:endParaRPr lang="en-NZ"/>
@@ -7517,7 +7528,7 @@
           <a:p>
             <a:fld id="{8251AF71-3C3F-48A3-98C1-0CA9A770BEA3}" type="datetimeFigureOut">
               <a:rPr lang="en-NZ" smtClean="0"/>
-              <a:t>2/03/2018</a:t>
+              <a:t>25/03/2018</a:t>
             </a:fld>
             <a:endParaRPr lang="en-NZ"/>
           </a:p>
@@ -7612,7 +7623,7 @@
           <a:p>
             <a:fld id="{8251AF71-3C3F-48A3-98C1-0CA9A770BEA3}" type="datetimeFigureOut">
               <a:rPr lang="en-NZ" smtClean="0"/>
-              <a:t>2/03/2018</a:t>
+              <a:t>25/03/2018</a:t>
             </a:fld>
             <a:endParaRPr lang="en-NZ"/>
           </a:p>
@@ -7715,7 +7726,7 @@
           </a:lstStyle>
           <a:p>
             <a:r>
-              <a:rPr lang="en-US" smtClean="0"/>
+              <a:rPr lang="en-US"/>
               <a:t>Click to edit Master title style</a:t>
             </a:r>
             <a:endParaRPr lang="en-NZ"/>
@@ -7772,35 +7783,35 @@
           <a:p>
             <a:pPr lvl="0"/>
             <a:r>
-              <a:rPr lang="en-US" smtClean="0"/>
+              <a:rPr lang="en-US"/>
               <a:t>Edit Master text styles</a:t>
             </a:r>
           </a:p>
           <a:p>
             <a:pPr lvl="1"/>
             <a:r>
-              <a:rPr lang="en-US" smtClean="0"/>
+              <a:rPr lang="en-US"/>
               <a:t>Second level</a:t>
             </a:r>
           </a:p>
           <a:p>
             <a:pPr lvl="2"/>
             <a:r>
-              <a:rPr lang="en-US" smtClean="0"/>
+              <a:rPr lang="en-US"/>
               <a:t>Third level</a:t>
             </a:r>
           </a:p>
           <a:p>
             <a:pPr lvl="3"/>
             <a:r>
-              <a:rPr lang="en-US" smtClean="0"/>
+              <a:rPr lang="en-US"/>
               <a:t>Fourth level</a:t>
             </a:r>
           </a:p>
           <a:p>
             <a:pPr lvl="4"/>
             <a:r>
-              <a:rPr lang="en-US" smtClean="0"/>
+              <a:rPr lang="en-US"/>
               <a:t>Fifth level</a:t>
             </a:r>
             <a:endParaRPr lang="en-NZ"/>
@@ -7866,7 +7877,7 @@
           <a:p>
             <a:pPr lvl="0"/>
             <a:r>
-              <a:rPr lang="en-US" smtClean="0"/>
+              <a:rPr lang="en-US"/>
               <a:t>Edit Master text styles</a:t>
             </a:r>
           </a:p>
@@ -7889,7 +7900,7 @@
           <a:p>
             <a:fld id="{8251AF71-3C3F-48A3-98C1-0CA9A770BEA3}" type="datetimeFigureOut">
               <a:rPr lang="en-NZ" smtClean="0"/>
-              <a:t>2/03/2018</a:t>
+              <a:t>25/03/2018</a:t>
             </a:fld>
             <a:endParaRPr lang="en-NZ"/>
           </a:p>
@@ -7992,7 +8003,7 @@
           </a:lstStyle>
           <a:p>
             <a:r>
-              <a:rPr lang="en-US" smtClean="0"/>
+              <a:rPr lang="en-US"/>
               <a:t>Click to edit Master title style</a:t>
             </a:r>
             <a:endParaRPr lang="en-NZ"/>
@@ -8119,7 +8130,7 @@
           <a:p>
             <a:pPr lvl="0"/>
             <a:r>
-              <a:rPr lang="en-US" smtClean="0"/>
+              <a:rPr lang="en-US"/>
               <a:t>Edit Master text styles</a:t>
             </a:r>
           </a:p>
@@ -8142,7 +8153,7 @@
           <a:p>
             <a:fld id="{8251AF71-3C3F-48A3-98C1-0CA9A770BEA3}" type="datetimeFigureOut">
               <a:rPr lang="en-NZ" smtClean="0"/>
-              <a:t>2/03/2018</a:t>
+              <a:t>25/03/2018</a:t>
             </a:fld>
             <a:endParaRPr lang="en-NZ"/>
           </a:p>
@@ -8251,7 +8262,7 @@
           <a:lstStyle/>
           <a:p>
             <a:r>
-              <a:rPr lang="en-US" smtClean="0"/>
+              <a:rPr lang="en-US"/>
               <a:t>Click to edit Master title style</a:t>
             </a:r>
             <a:endParaRPr lang="en-NZ"/>
@@ -8285,35 +8296,35 @@
           <a:p>
             <a:pPr lvl="0"/>
             <a:r>
-              <a:rPr lang="en-US" smtClean="0"/>
+              <a:rPr lang="en-US"/>
               <a:t>Edit Master text styles</a:t>
             </a:r>
           </a:p>
           <a:p>
             <a:pPr lvl="1"/>
             <a:r>
-              <a:rPr lang="en-US" smtClean="0"/>
+              <a:rPr lang="en-US"/>
               <a:t>Second level</a:t>
             </a:r>
           </a:p>
           <a:p>
             <a:pPr lvl="2"/>
             <a:r>
-              <a:rPr lang="en-US" smtClean="0"/>
+              <a:rPr lang="en-US"/>
               <a:t>Third level</a:t>
             </a:r>
           </a:p>
           <a:p>
             <a:pPr lvl="3"/>
             <a:r>
-              <a:rPr lang="en-US" smtClean="0"/>
+              <a:rPr lang="en-US"/>
               <a:t>Fourth level</a:t>
             </a:r>
           </a:p>
           <a:p>
             <a:pPr lvl="4"/>
             <a:r>
-              <a:rPr lang="en-US" smtClean="0"/>
+              <a:rPr lang="en-US"/>
               <a:t>Fifth level</a:t>
             </a:r>
             <a:endParaRPr lang="en-NZ"/>
@@ -8355,7 +8366,7 @@
           <a:p>
             <a:fld id="{8251AF71-3C3F-48A3-98C1-0CA9A770BEA3}" type="datetimeFigureOut">
               <a:rPr lang="en-NZ" smtClean="0"/>
-              <a:t>2/03/2018</a:t>
+              <a:t>25/03/2018</a:t>
             </a:fld>
             <a:endParaRPr lang="en-NZ"/>
           </a:p>
@@ -8963,7 +8974,7 @@
                 <a:tabLst/>
                 <a:defRPr/>
               </a:pPr>
-              <a:t>2/03/2018</a:t>
+              <a:t>25/03/2018</a:t>
             </a:fld>
             <a:endParaRPr kumimoji="0" lang="en-NZ" sz="1200" b="0" i="0" u="none" strike="noStrike" kern="1200" cap="none" spc="0" normalizeH="0" baseline="0" noProof="0">
               <a:ln>
@@ -9522,7 +9533,7 @@
               </a:spcBef>
             </a:pPr>
             <a:r>
-              <a:rPr lang="en" dirty="0" smtClean="0"/>
+              <a:rPr lang="en" dirty="0"/>
               <a:t>Pantheon Pitch</a:t>
             </a:r>
             <a:endParaRPr dirty="0"/>
@@ -9560,7 +9571,7 @@
               </a:spcBef>
             </a:pPr>
             <a:r>
-              <a:rPr lang="en-NZ" dirty="0" smtClean="0"/>
+              <a:rPr lang="en-NZ" dirty="0"/>
               <a:t>Hadrian Development</a:t>
             </a:r>
             <a:endParaRPr dirty="0"/>
@@ -9571,6 +9582,392 @@
     <p:extLst>
       <p:ext uri="{BB962C8B-B14F-4D97-AF65-F5344CB8AC3E}">
         <p14:creationId xmlns:p14="http://schemas.microsoft.com/office/powerpoint/2010/main" val="1321823281"/>
+      </p:ext>
+    </p:extLst>
+  </p:cSld>
+  <p:clrMapOvr>
+    <a:masterClrMapping/>
+  </p:clrMapOvr>
+</p:sld>
+</file>
+
+<file path=ppt/slides/slide10.xml><?xml version="1.0" encoding="utf-8"?>
+<p:sld xmlns:a="http://schemas.openxmlformats.org/drawingml/2006/main" xmlns:r="http://schemas.openxmlformats.org/officeDocument/2006/relationships" xmlns:p="http://schemas.openxmlformats.org/presentationml/2006/main">
+  <p:cSld>
+    <p:spTree>
+      <p:nvGrpSpPr>
+        <p:cNvPr id="1" name="Shape 59"/>
+        <p:cNvGrpSpPr/>
+        <p:nvPr/>
+      </p:nvGrpSpPr>
+      <p:grpSpPr>
+        <a:xfrm>
+          <a:off x="0" y="0"/>
+          <a:ext cx="0" cy="0"/>
+          <a:chOff x="0" y="0"/>
+          <a:chExt cx="0" cy="0"/>
+        </a:xfrm>
+      </p:grpSpPr>
+      <p:sp>
+        <p:nvSpPr>
+          <p:cNvPr id="60" name="Shape 60"/>
+          <p:cNvSpPr txBox="1">
+            <a:spLocks noGrp="1"/>
+          </p:cNvSpPr>
+          <p:nvPr>
+            <p:ph type="ctrTitle"/>
+          </p:nvPr>
+        </p:nvSpPr>
+        <p:spPr>
+          <a:xfrm>
+            <a:off x="415600" y="759833"/>
+            <a:ext cx="11360800" cy="1056800"/>
+          </a:xfrm>
+          <a:prstGeom prst="rect">
+            <a:avLst/>
+          </a:prstGeom>
+        </p:spPr>
+        <p:txBody>
+          <a:bodyPr spcFirstLastPara="1" vert="horz" wrap="square" lIns="121900" tIns="121900" rIns="121900" bIns="121900" rtlCol="0" anchor="b" anchorCtr="0">
+            <a:noAutofit/>
+          </a:bodyPr>
+          <a:lstStyle/>
+          <a:p>
+            <a:pPr>
+              <a:spcBef>
+                <a:spcPts val="0"/>
+              </a:spcBef>
+            </a:pPr>
+            <a:r>
+              <a:rPr lang="en" b="1" dirty="0"/>
+              <a:t>Opportunity/Competition</a:t>
+            </a:r>
+            <a:endParaRPr b="1" dirty="0"/>
+          </a:p>
+        </p:txBody>
+      </p:sp>
+      <p:sp>
+        <p:nvSpPr>
+          <p:cNvPr id="61" name="Shape 61"/>
+          <p:cNvSpPr txBox="1">
+            <a:spLocks noGrp="1"/>
+          </p:cNvSpPr>
+          <p:nvPr>
+            <p:ph type="subTitle" idx="1"/>
+          </p:nvPr>
+        </p:nvSpPr>
+        <p:spPr>
+          <a:xfrm>
+            <a:off x="415600" y="2200700"/>
+            <a:ext cx="11360800" cy="3624800"/>
+          </a:xfrm>
+          <a:prstGeom prst="rect">
+            <a:avLst/>
+          </a:prstGeom>
+        </p:spPr>
+        <p:txBody>
+          <a:bodyPr spcFirstLastPara="1" vert="horz" wrap="square" lIns="121900" tIns="121900" rIns="121900" bIns="121900" rtlCol="0" anchor="t" anchorCtr="0">
+            <a:noAutofit/>
+          </a:bodyPr>
+          <a:lstStyle/>
+          <a:p>
+            <a:pPr marL="609585" indent="-541853" algn="l">
+              <a:spcBef>
+                <a:spcPts val="0"/>
+              </a:spcBef>
+              <a:buSzPts val="2800"/>
+              <a:buChar char="-"/>
+            </a:pPr>
+            <a:r>
+              <a:rPr lang="en" dirty="0"/>
+              <a:t>Other classic resources</a:t>
+            </a:r>
+            <a:endParaRPr dirty="0"/>
+          </a:p>
+          <a:p>
+            <a:pPr marL="609585" indent="-541853" algn="l">
+              <a:spcBef>
+                <a:spcPts val="0"/>
+              </a:spcBef>
+              <a:buSzPts val="2800"/>
+              <a:buChar char="-"/>
+            </a:pPr>
+            <a:r>
+              <a:rPr lang="en" dirty="0"/>
+              <a:t>Supporting research</a:t>
+            </a:r>
+            <a:endParaRPr dirty="0"/>
+          </a:p>
+          <a:p>
+            <a:pPr marL="609585" indent="-541853" algn="l">
+              <a:spcBef>
+                <a:spcPts val="0"/>
+              </a:spcBef>
+              <a:buSzPts val="2800"/>
+              <a:buChar char="-"/>
+            </a:pPr>
+            <a:r>
+              <a:rPr lang="en" dirty="0"/>
+              <a:t>Nature of competing games</a:t>
+            </a:r>
+            <a:endParaRPr dirty="0"/>
+          </a:p>
+          <a:p>
+            <a:pPr algn="l">
+              <a:spcBef>
+                <a:spcPts val="0"/>
+              </a:spcBef>
+            </a:pPr>
+            <a:endParaRPr dirty="0"/>
+          </a:p>
+          <a:p>
+            <a:pPr algn="l">
+              <a:spcBef>
+                <a:spcPts val="0"/>
+              </a:spcBef>
+            </a:pPr>
+            <a:endParaRPr dirty="0"/>
+          </a:p>
+        </p:txBody>
+      </p:sp>
+    </p:spTree>
+    <p:extLst>
+      <p:ext uri="{BB962C8B-B14F-4D97-AF65-F5344CB8AC3E}">
+        <p14:creationId xmlns:p14="http://schemas.microsoft.com/office/powerpoint/2010/main" val="3892198745"/>
+      </p:ext>
+    </p:extLst>
+  </p:cSld>
+  <p:clrMapOvr>
+    <a:masterClrMapping/>
+  </p:clrMapOvr>
+</p:sld>
+</file>
+
+<file path=ppt/slides/slide11.xml><?xml version="1.0" encoding="utf-8"?>
+<p:sld xmlns:a="http://schemas.openxmlformats.org/drawingml/2006/main" xmlns:r="http://schemas.openxmlformats.org/officeDocument/2006/relationships" xmlns:p="http://schemas.openxmlformats.org/presentationml/2006/main">
+  <p:cSld>
+    <p:spTree>
+      <p:nvGrpSpPr>
+        <p:cNvPr id="1" name="Shape 65"/>
+        <p:cNvGrpSpPr/>
+        <p:nvPr/>
+      </p:nvGrpSpPr>
+      <p:grpSpPr>
+        <a:xfrm>
+          <a:off x="0" y="0"/>
+          <a:ext cx="0" cy="0"/>
+          <a:chOff x="0" y="0"/>
+          <a:chExt cx="0" cy="0"/>
+        </a:xfrm>
+      </p:grpSpPr>
+      <p:sp>
+        <p:nvSpPr>
+          <p:cNvPr id="66" name="Shape 66"/>
+          <p:cNvSpPr txBox="1">
+            <a:spLocks noGrp="1"/>
+          </p:cNvSpPr>
+          <p:nvPr>
+            <p:ph type="title"/>
+          </p:nvPr>
+        </p:nvSpPr>
+        <p:spPr>
+          <a:xfrm>
+            <a:off x="415600" y="593367"/>
+            <a:ext cx="11360800" cy="763600"/>
+          </a:xfrm>
+          <a:prstGeom prst="rect">
+            <a:avLst/>
+          </a:prstGeom>
+        </p:spPr>
+        <p:txBody>
+          <a:bodyPr spcFirstLastPara="1" vert="horz" wrap="square" lIns="121900" tIns="121900" rIns="121900" bIns="121900" rtlCol="0" anchor="t" anchorCtr="0">
+            <a:noAutofit/>
+          </a:bodyPr>
+          <a:lstStyle/>
+          <a:p>
+            <a:pPr algn="ctr"/>
+            <a:r>
+              <a:rPr lang="en" b="1" dirty="0"/>
+              <a:t>Timeline</a:t>
+            </a:r>
+            <a:endParaRPr b="1" dirty="0"/>
+          </a:p>
+          <a:p>
+            <a:endParaRPr dirty="0"/>
+          </a:p>
+        </p:txBody>
+      </p:sp>
+      <p:sp>
+        <p:nvSpPr>
+          <p:cNvPr id="67" name="Shape 67"/>
+          <p:cNvSpPr txBox="1">
+            <a:spLocks noGrp="1"/>
+          </p:cNvSpPr>
+          <p:nvPr>
+            <p:ph type="body" idx="1"/>
+          </p:nvPr>
+        </p:nvSpPr>
+        <p:spPr>
+          <a:xfrm>
+            <a:off x="415600" y="1536633"/>
+            <a:ext cx="11360800" cy="4555200"/>
+          </a:xfrm>
+          <a:prstGeom prst="rect">
+            <a:avLst/>
+          </a:prstGeom>
+        </p:spPr>
+        <p:txBody>
+          <a:bodyPr spcFirstLastPara="1" vert="horz" wrap="square" lIns="121900" tIns="121900" rIns="121900" bIns="121900" rtlCol="0" anchor="t" anchorCtr="0">
+            <a:noAutofit/>
+          </a:bodyPr>
+          <a:lstStyle/>
+          <a:p>
+            <a:pPr marL="0" indent="0">
+              <a:buNone/>
+            </a:pPr>
+            <a:r>
+              <a:rPr lang="en"/>
+              <a:t>First Semester:</a:t>
+            </a:r>
+            <a:endParaRPr/>
+          </a:p>
+          <a:p>
+            <a:pPr indent="-423323">
+              <a:buClr>
+                <a:schemeClr val="dk1"/>
+              </a:buClr>
+              <a:buSzPts val="1400"/>
+              <a:buAutoNum type="arabicPeriod"/>
+            </a:pPr>
+            <a:r>
+              <a:rPr lang="en" sz="1867"/>
+              <a:t>Game proposal document</a:t>
+            </a:r>
+            <a:endParaRPr sz="1867"/>
+          </a:p>
+          <a:p>
+            <a:pPr indent="-423323">
+              <a:buClr>
+                <a:schemeClr val="dk1"/>
+              </a:buClr>
+              <a:buSzPts val="1400"/>
+              <a:buAutoNum type="arabicPeriod"/>
+            </a:pPr>
+            <a:r>
+              <a:rPr lang="en" sz="1867"/>
+              <a:t>Complete project plan outline (Gantt chart, SDLC principles, etc)</a:t>
+            </a:r>
+            <a:endParaRPr sz="1867"/>
+          </a:p>
+          <a:p>
+            <a:pPr indent="-423323">
+              <a:buClr>
+                <a:schemeClr val="dk1"/>
+              </a:buClr>
+              <a:buSzPts val="1400"/>
+              <a:buAutoNum type="arabicPeriod"/>
+            </a:pPr>
+            <a:r>
+              <a:rPr lang="en" sz="1867"/>
+              <a:t>Game skeleton (Mechanics and UI)</a:t>
+            </a:r>
+            <a:endParaRPr sz="1867"/>
+          </a:p>
+          <a:p>
+            <a:pPr indent="-423323">
+              <a:buClr>
+                <a:schemeClr val="dk1"/>
+              </a:buClr>
+              <a:buSzPts val="1400"/>
+              <a:buAutoNum type="arabicPeriod"/>
+            </a:pPr>
+            <a:r>
+              <a:rPr lang="en" sz="1867"/>
+              <a:t>Research document (what information are we including and how does it compare to existing resources)</a:t>
+            </a:r>
+            <a:endParaRPr sz="1867"/>
+          </a:p>
+          <a:p>
+            <a:pPr indent="-423323">
+              <a:buClr>
+                <a:schemeClr val="dk1"/>
+              </a:buClr>
+              <a:buSzPts val="1400"/>
+              <a:buAutoNum type="arabicPeriod"/>
+            </a:pPr>
+            <a:r>
+              <a:rPr lang="en" sz="1867"/>
+              <a:t>Alpha development</a:t>
+            </a:r>
+            <a:endParaRPr sz="1867"/>
+          </a:p>
+          <a:p>
+            <a:pPr marL="0" indent="0">
+              <a:buNone/>
+            </a:pPr>
+            <a:r>
+              <a:rPr lang="en"/>
+              <a:t>Second Semester:</a:t>
+            </a:r>
+            <a:endParaRPr/>
+          </a:p>
+          <a:p>
+            <a:pPr indent="-423323">
+              <a:buClr>
+                <a:schemeClr val="dk1"/>
+              </a:buClr>
+              <a:buSzPts val="1400"/>
+              <a:buAutoNum type="arabicPeriod"/>
+            </a:pPr>
+            <a:r>
+              <a:rPr lang="en" sz="1867"/>
+              <a:t>Test requirements document</a:t>
+            </a:r>
+            <a:endParaRPr sz="1867"/>
+          </a:p>
+          <a:p>
+            <a:pPr indent="-423323">
+              <a:buClr>
+                <a:schemeClr val="dk1"/>
+              </a:buClr>
+              <a:buSzPts val="1400"/>
+              <a:buAutoNum type="arabicPeriod"/>
+            </a:pPr>
+            <a:r>
+              <a:rPr lang="en" sz="1867"/>
+              <a:t>Feedback analysis for requirements</a:t>
+            </a:r>
+            <a:endParaRPr sz="1867"/>
+          </a:p>
+          <a:p>
+            <a:pPr indent="-423323">
+              <a:buClr>
+                <a:schemeClr val="dk1"/>
+              </a:buClr>
+              <a:buSzPts val="1400"/>
+              <a:buAutoNum type="arabicPeriod"/>
+            </a:pPr>
+            <a:r>
+              <a:rPr lang="en" sz="1867"/>
+              <a:t>Final Prototype</a:t>
+            </a:r>
+            <a:endParaRPr sz="1867"/>
+          </a:p>
+          <a:p>
+            <a:pPr marL="0" indent="0">
+              <a:spcAft>
+                <a:spcPts val="2133"/>
+              </a:spcAft>
+              <a:buNone/>
+            </a:pPr>
+            <a:endParaRPr/>
+          </a:p>
+        </p:txBody>
+      </p:sp>
+    </p:spTree>
+    <p:extLst>
+      <p:ext uri="{BB962C8B-B14F-4D97-AF65-F5344CB8AC3E}">
+        <p14:creationId xmlns:p14="http://schemas.microsoft.com/office/powerpoint/2010/main" val="3502963255"/>
       </p:ext>
     </p:extLst>
   </p:cSld>
@@ -9660,11 +10057,11 @@
               <a:buNone/>
             </a:pPr>
             <a:r>
-              <a:rPr lang="en"/>
+              <a:rPr lang="en" dirty="0"/>
               <a:t>Liam Bargh - </a:t>
             </a:r>
             <a:r>
-              <a:rPr lang="en" sz="1600">
+              <a:rPr lang="en" sz="1600" dirty="0">
                 <a:solidFill>
                   <a:schemeClr val="dk1"/>
                 </a:solidFill>
@@ -9675,7 +10072,7 @@
               </a:rPr>
               <a:t>Documentation, C# Coding, Communication, Level, Asset and Story Development</a:t>
             </a:r>
-            <a:endParaRPr/>
+            <a:endParaRPr dirty="0"/>
           </a:p>
           <a:p>
             <a:pPr marL="0" indent="0">
@@ -9685,11 +10082,11 @@
               <a:buNone/>
             </a:pPr>
             <a:r>
-              <a:rPr lang="en"/>
+              <a:rPr lang="en" dirty="0"/>
               <a:t>Jack Kelly - </a:t>
             </a:r>
             <a:r>
-              <a:rPr lang="en" sz="1600">
+              <a:rPr lang="en" sz="1600" dirty="0">
                 <a:solidFill>
                   <a:schemeClr val="dk1"/>
                 </a:solidFill>
@@ -9700,7 +10097,7 @@
               </a:rPr>
               <a:t>C# coding, Documentation, Ability to play Devil’s Advocate, Asset and Story Development</a:t>
             </a:r>
-            <a:endParaRPr/>
+            <a:endParaRPr dirty="0"/>
           </a:p>
           <a:p>
             <a:pPr marL="0" indent="0">
@@ -9710,22 +10107,10 @@
               <a:buNone/>
             </a:pPr>
             <a:r>
-              <a:rPr lang="en"/>
-              <a:t>Wade Anderson - </a:t>
-            </a:r>
-            <a:r>
-              <a:rPr lang="en" sz="1600">
-                <a:solidFill>
-                  <a:schemeClr val="dk1"/>
-                </a:solidFill>
-                <a:latin typeface="Calibri"/>
-                <a:ea typeface="Calibri"/>
-                <a:cs typeface="Calibri"/>
-                <a:sym typeface="Calibri"/>
-              </a:rPr>
-              <a:t>Web Development, Research, C# Coding, Graphics</a:t>
-            </a:r>
-            <a:endParaRPr/>
+              <a:rPr lang="en-NZ" dirty="0"/>
+              <a:t>Toby Pineda - </a:t>
+            </a:r>
+            <a:endParaRPr dirty="0"/>
           </a:p>
           <a:p>
             <a:pPr marL="0" indent="0">
@@ -9738,11 +10123,11 @@
               <a:buNone/>
             </a:pPr>
             <a:r>
-              <a:rPr lang="en"/>
+              <a:rPr lang="en" dirty="0"/>
               <a:t>Kris Leatherby - </a:t>
             </a:r>
             <a:r>
-              <a:rPr lang="en" sz="1600">
+              <a:rPr lang="en" sz="1600" dirty="0">
                 <a:solidFill>
                   <a:schemeClr val="dk1"/>
                 </a:solidFill>
@@ -9753,7 +10138,7 @@
               </a:rPr>
               <a:t>C# coding, Development management</a:t>
             </a:r>
-            <a:endParaRPr/>
+            <a:endParaRPr dirty="0"/>
           </a:p>
         </p:txBody>
       </p:sp>
@@ -9792,7 +10177,7 @@
           <p:cNvPr id="2" name="Title 1">
             <a:extLst>
               <a:ext uri="{FF2B5EF4-FFF2-40B4-BE49-F238E27FC236}">
-                <a16:creationId xmlns:a16="http://schemas.microsoft.com/office/drawing/2014/main" id="{932FE4D4-E5A1-4D03-B8BC-F81A4F747D51}"/>
+                <a16:creationId xmlns:a16="http://schemas.microsoft.com/office/drawing/2014/main" id="{21B7C774-A221-4D39-8CB2-9526D67DDD67}"/>
               </a:ext>
             </a:extLst>
           </p:cNvPr>
@@ -9805,23 +10190,24 @@
         </p:nvSpPr>
         <p:spPr/>
         <p:txBody>
-          <a:bodyPr/>
-          <a:lstStyle/>
-          <a:p>
-            <a:pPr algn="ctr"/>
-            <a:r>
-              <a:rPr lang="en-NZ" b="1" dirty="0"/>
-              <a:t>The Problem</a:t>
-            </a:r>
-          </a:p>
-        </p:txBody>
-      </p:sp>
-      <p:sp>
-        <p:nvSpPr>
-          <p:cNvPr id="3" name="Content Placeholder 2">
+          <a:bodyPr>
+            <a:normAutofit fontScale="90000"/>
+          </a:bodyPr>
+          <a:lstStyle/>
+          <a:p>
+            <a:r>
+              <a:rPr lang="en-NZ" dirty="0"/>
+              <a:t>EduFuture</a:t>
+            </a:r>
+          </a:p>
+        </p:txBody>
+      </p:sp>
+      <p:sp>
+        <p:nvSpPr>
+          <p:cNvPr id="3" name="Text Placeholder 2">
             <a:extLst>
               <a:ext uri="{FF2B5EF4-FFF2-40B4-BE49-F238E27FC236}">
-                <a16:creationId xmlns:a16="http://schemas.microsoft.com/office/drawing/2014/main" id="{20BFCF03-B386-4BC6-8DC2-D9BD18FA1AFE}"/>
+                <a16:creationId xmlns:a16="http://schemas.microsoft.com/office/drawing/2014/main" id="{C1808F40-20A4-44AE-A112-D7F9B6596E7C}"/>
               </a:ext>
             </a:extLst>
           </p:cNvPr>
@@ -9829,57 +10215,69 @@
             <a:spLocks noGrp="1"/>
           </p:cNvSpPr>
           <p:nvPr>
-            <p:ph idx="1"/>
+            <p:ph type="body" idx="1"/>
           </p:nvPr>
         </p:nvSpPr>
         <p:spPr/>
         <p:txBody>
-          <a:bodyPr>
-            <a:normAutofit/>
-          </a:bodyPr>
-          <a:lstStyle/>
-          <a:p>
-            <a:pPr>
-              <a:lnSpc>
-                <a:spcPct val="150000"/>
-              </a:lnSpc>
-            </a:pPr>
-            <a:r>
-              <a:rPr lang="en-NZ" sz="2400" dirty="0"/>
-              <a:t>Current learning resources around classic history are long winded </a:t>
-            </a:r>
-          </a:p>
-          <a:p>
-            <a:pPr>
-              <a:lnSpc>
-                <a:spcPct val="150000"/>
-              </a:lnSpc>
-            </a:pPr>
-            <a:r>
-              <a:rPr lang="en-NZ" sz="2400" dirty="0"/>
-              <a:t>Human attention spans have grown smaller </a:t>
-            </a:r>
-          </a:p>
-          <a:p>
-            <a:pPr>
-              <a:lnSpc>
-                <a:spcPct val="150000"/>
-              </a:lnSpc>
-            </a:pPr>
-            <a:r>
-              <a:rPr lang="en-NZ" sz="2400" dirty="0"/>
-              <a:t>Students tend to focus effort into other activities that they find enjoyable rather than school work</a:t>
-            </a:r>
-          </a:p>
-          <a:p>
-            <a:pPr>
-              <a:lnSpc>
-                <a:spcPct val="150000"/>
-              </a:lnSpc>
-            </a:pPr>
-            <a:r>
-              <a:rPr lang="en-NZ" sz="2400" dirty="0"/>
-              <a:t>Small number of interactive learning resources are available</a:t>
+          <a:bodyPr/>
+          <a:lstStyle/>
+          <a:p>
+            <a:r>
+              <a:rPr lang="en-NZ" dirty="0"/>
+              <a:t>EduFuture NZ is a NZ based Company that focuses on creating It based solutions for the New Zealand Education System </a:t>
+            </a:r>
+          </a:p>
+          <a:p>
+            <a:endParaRPr lang="en-NZ" dirty="0"/>
+          </a:p>
+        </p:txBody>
+      </p:sp>
+      <p:sp>
+        <p:nvSpPr>
+          <p:cNvPr id="4" name="Rectangle 3">
+            <a:extLst>
+              <a:ext uri="{FF2B5EF4-FFF2-40B4-BE49-F238E27FC236}">
+                <a16:creationId xmlns:a16="http://schemas.microsoft.com/office/drawing/2014/main" id="{A6638F10-8442-4B6D-9E29-FC5418FB4AAC}"/>
+              </a:ext>
+            </a:extLst>
+          </p:cNvPr>
+          <p:cNvSpPr/>
+          <p:nvPr/>
+        </p:nvSpPr>
+        <p:spPr>
+          <a:xfrm>
+            <a:off x="7955828" y="3307171"/>
+            <a:ext cx="3575468" cy="2732249"/>
+          </a:xfrm>
+          <a:prstGeom prst="rect">
+            <a:avLst/>
+          </a:prstGeom>
+        </p:spPr>
+        <p:style>
+          <a:lnRef idx="2">
+            <a:schemeClr val="accent1">
+              <a:shade val="50000"/>
+            </a:schemeClr>
+          </a:lnRef>
+          <a:fillRef idx="1">
+            <a:schemeClr val="accent1"/>
+          </a:fillRef>
+          <a:effectRef idx="0">
+            <a:schemeClr val="accent1"/>
+          </a:effectRef>
+          <a:fontRef idx="minor">
+            <a:schemeClr val="lt1"/>
+          </a:fontRef>
+        </p:style>
+        <p:txBody>
+          <a:bodyPr rtlCol="0" anchor="ctr"/>
+          <a:lstStyle/>
+          <a:p>
+            <a:pPr algn="ctr"/>
+            <a:r>
+              <a:rPr lang="en-NZ" dirty="0"/>
+              <a:t>LOGO Place Holder</a:t>
             </a:r>
           </a:p>
         </p:txBody>
@@ -9887,7 +10285,7 @@
     </p:spTree>
     <p:extLst>
       <p:ext uri="{BB962C8B-B14F-4D97-AF65-F5344CB8AC3E}">
-        <p14:creationId xmlns:p14="http://schemas.microsoft.com/office/powerpoint/2010/main" val="3032510310"/>
+        <p14:creationId xmlns:p14="http://schemas.microsoft.com/office/powerpoint/2010/main" val="2776032239"/>
       </p:ext>
     </p:extLst>
   </p:cSld>
@@ -9919,7 +10317,7 @@
           <p:cNvPr id="2" name="Title 1">
             <a:extLst>
               <a:ext uri="{FF2B5EF4-FFF2-40B4-BE49-F238E27FC236}">
-                <a16:creationId xmlns:a16="http://schemas.microsoft.com/office/drawing/2014/main" id="{33FE881B-CD3F-42D3-B4D7-4DC8437B0DDC}"/>
+                <a16:creationId xmlns:a16="http://schemas.microsoft.com/office/drawing/2014/main" id="{932FE4D4-E5A1-4D03-B8BC-F81A4F747D51}"/>
               </a:ext>
             </a:extLst>
           </p:cNvPr>
@@ -9938,7 +10336,7 @@
             <a:pPr algn="ctr"/>
             <a:r>
               <a:rPr lang="en-NZ" b="1" dirty="0"/>
-              <a:t>The Solution </a:t>
+              <a:t>The Problem</a:t>
             </a:r>
           </a:p>
         </p:txBody>
@@ -9948,7 +10346,7 @@
           <p:cNvPr id="3" name="Content Placeholder 2">
             <a:extLst>
               <a:ext uri="{FF2B5EF4-FFF2-40B4-BE49-F238E27FC236}">
-                <a16:creationId xmlns:a16="http://schemas.microsoft.com/office/drawing/2014/main" id="{6799E3E2-48F5-4BA6-BBF0-13DD2CF776C4}"/>
+                <a16:creationId xmlns:a16="http://schemas.microsoft.com/office/drawing/2014/main" id="{20BFCF03-B386-4BC6-8DC2-D9BD18FA1AFE}"/>
               </a:ext>
             </a:extLst>
           </p:cNvPr>
@@ -9961,7 +10359,9 @@
         </p:nvSpPr>
         <p:spPr/>
         <p:txBody>
-          <a:bodyPr/>
+          <a:bodyPr>
+            <a:normAutofit/>
+          </a:bodyPr>
           <a:lstStyle/>
           <a:p>
             <a:pPr>
@@ -9971,18 +10371,7 @@
             </a:pPr>
             <a:r>
               <a:rPr lang="en-NZ" sz="2400" dirty="0"/>
-              <a:t>Interactive learning resource that resembles a video game</a:t>
-            </a:r>
-          </a:p>
-          <a:p>
-            <a:pPr lvl="1">
-              <a:lnSpc>
-                <a:spcPct val="150000"/>
-              </a:lnSpc>
-            </a:pPr>
-            <a:r>
-              <a:rPr lang="en-NZ" dirty="0"/>
-              <a:t>A fun way to learn through interactivity</a:t>
+              <a:t>Current learning resources around classic history are long winded </a:t>
             </a:r>
           </a:p>
           <a:p>
@@ -9993,7 +10382,7 @@
             </a:pPr>
             <a:r>
               <a:rPr lang="en-NZ" sz="2400" dirty="0"/>
-              <a:t>Interactivity has been seen as the future of learning </a:t>
+              <a:t>Human attention spans have grown smaller </a:t>
             </a:r>
           </a:p>
           <a:p>
@@ -10004,32 +10393,8 @@
             </a:pPr>
             <a:r>
               <a:rPr lang="en-NZ" sz="2400" dirty="0"/>
-              <a:t>“human minds are plug-and-play devices; they’re not meant to be used alone. They’re meant to be used in networks</a:t>
-            </a:r>
-            <a:r>
-              <a:rPr lang="en-NZ" sz="2400" dirty="0">
-                <a:effectLst/>
-              </a:rPr>
-              <a:t>” </a:t>
-            </a:r>
-            <a:r>
-              <a:rPr lang="en-NZ" sz="2400" dirty="0"/>
-              <a:t>James Gee, A professor of literacy from Arizona State University</a:t>
-            </a:r>
-          </a:p>
-          <a:p>
-            <a:pPr lvl="1">
-              <a:lnSpc>
-                <a:spcPct val="150000"/>
-              </a:lnSpc>
-            </a:pPr>
-            <a:r>
-              <a:rPr lang="en-NZ" sz="2000" dirty="0"/>
-              <a:t>Interactivity provides this network</a:t>
-            </a:r>
-            <a:endParaRPr lang="en-NZ" sz="2000" dirty="0">
-              <a:effectLst/>
-            </a:endParaRPr>
+              <a:t>Students tend to focus effort into other activities that they find enjoyable rather than school work</a:t>
+            </a:r>
           </a:p>
           <a:p>
             <a:pPr>
@@ -10037,25 +10402,17 @@
                 <a:spcPct val="150000"/>
               </a:lnSpc>
             </a:pPr>
-            <a:endParaRPr lang="en-NZ" dirty="0"/>
-          </a:p>
-          <a:p>
-            <a:pPr>
-              <a:lnSpc>
-                <a:spcPct val="150000"/>
-              </a:lnSpc>
-            </a:pPr>
-            <a:endParaRPr lang="en-NZ" dirty="0"/>
-          </a:p>
-          <a:p>
-            <a:endParaRPr lang="en-NZ" dirty="0"/>
+            <a:r>
+              <a:rPr lang="en-NZ" sz="2400" dirty="0"/>
+              <a:t>Small number of interactive learning resources are available</a:t>
+            </a:r>
           </a:p>
         </p:txBody>
       </p:sp>
     </p:spTree>
     <p:extLst>
       <p:ext uri="{BB962C8B-B14F-4D97-AF65-F5344CB8AC3E}">
-        <p14:creationId xmlns:p14="http://schemas.microsoft.com/office/powerpoint/2010/main" val="2043913604"/>
+        <p14:creationId xmlns:p14="http://schemas.microsoft.com/office/powerpoint/2010/main" val="3032510310"/>
       </p:ext>
     </p:extLst>
   </p:cSld>
@@ -10084,7 +10441,13 @@
       </p:grpSpPr>
       <p:sp>
         <p:nvSpPr>
-          <p:cNvPr id="2" name="Title 1"/>
+          <p:cNvPr id="2" name="Title 1">
+            <a:extLst>
+              <a:ext uri="{FF2B5EF4-FFF2-40B4-BE49-F238E27FC236}">
+                <a16:creationId xmlns:a16="http://schemas.microsoft.com/office/drawing/2014/main" id="{33FE881B-CD3F-42D3-B4D7-4DC8437B0DDC}"/>
+              </a:ext>
+            </a:extLst>
+          </p:cNvPr>
           <p:cNvSpPr>
             <a:spLocks noGrp="1"/>
           </p:cNvSpPr>
@@ -10099,16 +10462,21 @@
           <a:p>
             <a:pPr algn="ctr"/>
             <a:r>
-              <a:rPr lang="en-NZ" b="1" dirty="0" smtClean="0"/>
-              <a:t>Vision</a:t>
-            </a:r>
-            <a:endParaRPr lang="en-NZ" b="1" dirty="0"/>
-          </a:p>
-        </p:txBody>
-      </p:sp>
-      <p:sp>
-        <p:nvSpPr>
-          <p:cNvPr id="3" name="Content Placeholder 2"/>
+              <a:rPr lang="en-NZ" b="1" dirty="0"/>
+              <a:t>The Solution </a:t>
+            </a:r>
+          </a:p>
+        </p:txBody>
+      </p:sp>
+      <p:sp>
+        <p:nvSpPr>
+          <p:cNvPr id="3" name="Content Placeholder 2">
+            <a:extLst>
+              <a:ext uri="{FF2B5EF4-FFF2-40B4-BE49-F238E27FC236}">
+                <a16:creationId xmlns:a16="http://schemas.microsoft.com/office/drawing/2014/main" id="{6799E3E2-48F5-4BA6-BBF0-13DD2CF776C4}"/>
+              </a:ext>
+            </a:extLst>
+          </p:cNvPr>
           <p:cNvSpPr>
             <a:spLocks noGrp="1"/>
           </p:cNvSpPr>
@@ -10116,36 +10484,103 @@
             <p:ph idx="1"/>
           </p:nvPr>
         </p:nvSpPr>
-        <p:spPr>
-          <a:xfrm>
-            <a:off x="838200" y="1396538"/>
-            <a:ext cx="10515600" cy="4780425"/>
-          </a:xfrm>
-        </p:spPr>
-        <p:txBody>
-          <a:bodyPr>
-            <a:normAutofit/>
-          </a:bodyPr>
-          <a:lstStyle/>
-          <a:p>
-            <a:r>
-              <a:rPr lang="en-NZ" i="1" dirty="0" smtClean="0"/>
-              <a:t>The </a:t>
-            </a:r>
-            <a:r>
-              <a:rPr lang="en-NZ" i="1" dirty="0"/>
-              <a:t>Vision for EduFuture is to create the Education of the future, why do we want to achieve this? The Education system is lagging behind many other industries and yet is the one the key parts of society. “Education is not preparation for life; Education is Life itself” John Dewey. With education being crucial we can’t allow it to fall behind the trends. We are moving in the BYOD era in schools in New Zealand but the resources aren’t keeping up and this is why EduFuture wants to create the education of the future, we have a vision of a fully tech integrated education system that will increase student interaction and learning. We will strive to achieve a level beyond Excellence, to create long lasting impact and revolutionise for the future. </a:t>
-            </a:r>
-          </a:p>
-          <a:p>
-            <a:endParaRPr lang="en-NZ" dirty="0" smtClean="0"/>
+        <p:spPr/>
+        <p:txBody>
+          <a:bodyPr/>
+          <a:lstStyle/>
+          <a:p>
+            <a:pPr>
+              <a:lnSpc>
+                <a:spcPct val="150000"/>
+              </a:lnSpc>
+            </a:pPr>
+            <a:r>
+              <a:rPr lang="en-NZ" sz="2400" dirty="0"/>
+              <a:t>Interactive learning resource that resembles a video game</a:t>
+            </a:r>
+          </a:p>
+          <a:p>
+            <a:pPr lvl="1">
+              <a:lnSpc>
+                <a:spcPct val="150000"/>
+              </a:lnSpc>
+            </a:pPr>
+            <a:r>
+              <a:rPr lang="en-NZ" dirty="0"/>
+              <a:t>A fun way to learn through interactivity</a:t>
+            </a:r>
+          </a:p>
+          <a:p>
+            <a:pPr>
+              <a:lnSpc>
+                <a:spcPct val="150000"/>
+              </a:lnSpc>
+            </a:pPr>
+            <a:r>
+              <a:rPr lang="en-NZ" sz="2400" dirty="0"/>
+              <a:t>Interactivity has been seen as the future of learning </a:t>
+            </a:r>
+          </a:p>
+          <a:p>
+            <a:pPr>
+              <a:lnSpc>
+                <a:spcPct val="150000"/>
+              </a:lnSpc>
+            </a:pPr>
+            <a:r>
+              <a:rPr lang="en-NZ" sz="2400" dirty="0"/>
+              <a:t>“human minds are plug-and-play devices; they’re not meant to be used alone. They’re meant to be used in networks</a:t>
+            </a:r>
+            <a:r>
+              <a:rPr lang="en-NZ" sz="2400" dirty="0">
+                <a:effectLst/>
+              </a:rPr>
+              <a:t>” </a:t>
+            </a:r>
+            <a:r>
+              <a:rPr lang="en-NZ" sz="2400" dirty="0"/>
+              <a:t>James Gee, A professor of literacy from Arizona State University</a:t>
+            </a:r>
+          </a:p>
+          <a:p>
+            <a:pPr lvl="1">
+              <a:lnSpc>
+                <a:spcPct val="150000"/>
+              </a:lnSpc>
+            </a:pPr>
+            <a:r>
+              <a:rPr lang="en-NZ" sz="2000" dirty="0"/>
+              <a:t>Interactivity provides this network</a:t>
+            </a:r>
+            <a:endParaRPr lang="en-NZ" sz="2000" dirty="0">
+              <a:effectLst/>
+            </a:endParaRPr>
+          </a:p>
+          <a:p>
+            <a:pPr>
+              <a:lnSpc>
+                <a:spcPct val="150000"/>
+              </a:lnSpc>
+            </a:pPr>
+            <a:endParaRPr lang="en-NZ" dirty="0"/>
+          </a:p>
+          <a:p>
+            <a:pPr>
+              <a:lnSpc>
+                <a:spcPct val="150000"/>
+              </a:lnSpc>
+            </a:pPr>
+            <a:endParaRPr lang="en-NZ" dirty="0"/>
+          </a:p>
+          <a:p>
+            <a:endParaRPr lang="en-NZ" dirty="0"/>
           </a:p>
         </p:txBody>
       </p:sp>
     </p:spTree>
     <p:extLst>
       <p:ext uri="{BB962C8B-B14F-4D97-AF65-F5344CB8AC3E}">
-        <p14:creationId xmlns:p14="http://schemas.microsoft.com/office/powerpoint/2010/main" val="2042359215"/>
+        <p14:creationId xmlns:p14="http://schemas.microsoft.com/office/powerpoint/2010/main" val="2043913604"/>
       </p:ext>
     </p:extLst>
   </p:cSld>
@@ -10174,6 +10609,171 @@
       </p:grpSpPr>
       <p:sp>
         <p:nvSpPr>
+          <p:cNvPr id="2" name="Title 1">
+            <a:extLst>
+              <a:ext uri="{FF2B5EF4-FFF2-40B4-BE49-F238E27FC236}">
+                <a16:creationId xmlns:a16="http://schemas.microsoft.com/office/drawing/2014/main" id="{EE8D73E2-F4DE-4458-8DCB-7337A38E53FE}"/>
+              </a:ext>
+            </a:extLst>
+          </p:cNvPr>
+          <p:cNvSpPr>
+            <a:spLocks noGrp="1"/>
+          </p:cNvSpPr>
+          <p:nvPr>
+            <p:ph type="title"/>
+          </p:nvPr>
+        </p:nvSpPr>
+        <p:spPr/>
+        <p:txBody>
+          <a:bodyPr/>
+          <a:lstStyle/>
+          <a:p>
+            <a:r>
+              <a:rPr lang="en-NZ" dirty="0"/>
+              <a:t>Major Deliverables</a:t>
+            </a:r>
+          </a:p>
+        </p:txBody>
+      </p:sp>
+      <p:sp>
+        <p:nvSpPr>
+          <p:cNvPr id="3" name="Content Placeholder 2">
+            <a:extLst>
+              <a:ext uri="{FF2B5EF4-FFF2-40B4-BE49-F238E27FC236}">
+                <a16:creationId xmlns:a16="http://schemas.microsoft.com/office/drawing/2014/main" id="{9E0B1415-1C28-4D01-8F34-FEEF9FEFEE70}"/>
+              </a:ext>
+            </a:extLst>
+          </p:cNvPr>
+          <p:cNvSpPr>
+            <a:spLocks noGrp="1"/>
+          </p:cNvSpPr>
+          <p:nvPr>
+            <p:ph idx="1"/>
+          </p:nvPr>
+        </p:nvSpPr>
+        <p:spPr/>
+        <p:txBody>
+          <a:bodyPr>
+            <a:normAutofit lnSpcReduction="10000"/>
+          </a:bodyPr>
+          <a:lstStyle/>
+          <a:p>
+            <a:pPr marL="514350" lvl="0" indent="-514350">
+              <a:buFont typeface="+mj-lt"/>
+              <a:buAutoNum type="arabicPeriod"/>
+            </a:pPr>
+            <a:r>
+              <a:rPr lang="en-NZ" dirty="0"/>
+              <a:t>Game proposal document</a:t>
+            </a:r>
+          </a:p>
+          <a:p>
+            <a:pPr marL="514350" lvl="0" indent="-514350">
+              <a:buFont typeface="+mj-lt"/>
+              <a:buAutoNum type="arabicPeriod"/>
+            </a:pPr>
+            <a:r>
+              <a:rPr lang="en-NZ" dirty="0"/>
+              <a:t>Complete project plan outline (Gantt chart, SDLC principles, etc)</a:t>
+            </a:r>
+          </a:p>
+          <a:p>
+            <a:pPr marL="514350" lvl="0" indent="-514350">
+              <a:buFont typeface="+mj-lt"/>
+              <a:buAutoNum type="arabicPeriod"/>
+            </a:pPr>
+            <a:r>
+              <a:rPr lang="en-NZ" dirty="0"/>
+              <a:t>Game skeleton (Mechanics and UI)</a:t>
+            </a:r>
+          </a:p>
+          <a:p>
+            <a:pPr marL="514350" lvl="0" indent="-514350">
+              <a:buFont typeface="+mj-lt"/>
+              <a:buAutoNum type="arabicPeriod"/>
+            </a:pPr>
+            <a:r>
+              <a:rPr lang="en-NZ" dirty="0"/>
+              <a:t>Research document (what information are we including and how does it compare to existing resources)</a:t>
+            </a:r>
+          </a:p>
+          <a:p>
+            <a:pPr marL="514350" lvl="0" indent="-514350">
+              <a:buFont typeface="+mj-lt"/>
+              <a:buAutoNum type="arabicPeriod"/>
+            </a:pPr>
+            <a:r>
+              <a:rPr lang="en-NZ" dirty="0"/>
+              <a:t>Alpha development</a:t>
+            </a:r>
+          </a:p>
+          <a:p>
+            <a:pPr marL="514350" lvl="0" indent="-514350">
+              <a:buFont typeface="+mj-lt"/>
+              <a:buAutoNum type="arabicPeriod"/>
+            </a:pPr>
+            <a:r>
+              <a:rPr lang="en-NZ" dirty="0"/>
+              <a:t>Test requirements document</a:t>
+            </a:r>
+          </a:p>
+          <a:p>
+            <a:pPr marL="514350" lvl="0" indent="-514350">
+              <a:buFont typeface="+mj-lt"/>
+              <a:buAutoNum type="arabicPeriod"/>
+            </a:pPr>
+            <a:r>
+              <a:rPr lang="en-NZ" dirty="0"/>
+              <a:t>Feedback analysis for requirements</a:t>
+            </a:r>
+          </a:p>
+          <a:p>
+            <a:pPr marL="514350" lvl="0" indent="-514350">
+              <a:buFont typeface="+mj-lt"/>
+              <a:buAutoNum type="arabicPeriod"/>
+            </a:pPr>
+            <a:r>
+              <a:rPr lang="en-NZ" dirty="0"/>
+              <a:t>Final Prototype</a:t>
+            </a:r>
+          </a:p>
+          <a:p>
+            <a:endParaRPr lang="en-NZ" dirty="0"/>
+          </a:p>
+        </p:txBody>
+      </p:sp>
+    </p:spTree>
+    <p:extLst>
+      <p:ext uri="{BB962C8B-B14F-4D97-AF65-F5344CB8AC3E}">
+        <p14:creationId xmlns:p14="http://schemas.microsoft.com/office/powerpoint/2010/main" val="1111057823"/>
+      </p:ext>
+    </p:extLst>
+  </p:cSld>
+  <p:clrMapOvr>
+    <a:masterClrMapping/>
+  </p:clrMapOvr>
+</p:sld>
+</file>
+
+<file path=ppt/slides/slide7.xml><?xml version="1.0" encoding="utf-8"?>
+<p:sld xmlns:a="http://schemas.openxmlformats.org/drawingml/2006/main" xmlns:r="http://schemas.openxmlformats.org/officeDocument/2006/relationships" xmlns:p="http://schemas.openxmlformats.org/presentationml/2006/main">
+  <p:cSld>
+    <p:spTree>
+      <p:nvGrpSpPr>
+        <p:cNvPr id="1" name=""/>
+        <p:cNvGrpSpPr/>
+        <p:nvPr/>
+      </p:nvGrpSpPr>
+      <p:grpSpPr>
+        <a:xfrm>
+          <a:off x="0" y="0"/>
+          <a:ext cx="0" cy="0"/>
+          <a:chOff x="0" y="0"/>
+          <a:chExt cx="0" cy="0"/>
+        </a:xfrm>
+      </p:grpSpPr>
+      <p:sp>
+        <p:nvSpPr>
           <p:cNvPr id="2" name="Title 1"/>
           <p:cNvSpPr>
             <a:spLocks noGrp="1"/>
@@ -10187,14 +10787,95 @@
           <a:bodyPr/>
           <a:lstStyle/>
           <a:p>
+            <a:pPr algn="ctr"/>
+            <a:r>
+              <a:rPr lang="en-NZ" b="1" dirty="0"/>
+              <a:t>Vision</a:t>
+            </a:r>
+          </a:p>
+        </p:txBody>
+      </p:sp>
+      <p:sp>
+        <p:nvSpPr>
+          <p:cNvPr id="3" name="Content Placeholder 2"/>
+          <p:cNvSpPr>
+            <a:spLocks noGrp="1"/>
+          </p:cNvSpPr>
+          <p:nvPr>
+            <p:ph idx="1"/>
+          </p:nvPr>
+        </p:nvSpPr>
+        <p:spPr>
+          <a:xfrm>
+            <a:off x="838200" y="1396538"/>
+            <a:ext cx="10515600" cy="4780425"/>
+          </a:xfrm>
+        </p:spPr>
+        <p:txBody>
+          <a:bodyPr>
+            <a:normAutofit/>
+          </a:bodyPr>
+          <a:lstStyle/>
+          <a:p>
+            <a:r>
+              <a:rPr lang="en-NZ" i="1" dirty="0"/>
+              <a:t>The Vision for EduFuture is to create the Education of the future, why do we want to achieve this? The Education system is lagging behind many other industries and yet is the one the key parts of society. “Education is not preparation for life; Education is Life itself” John Dewey. With education being crucial we can’t allow it to fall behind the trends. We are moving in the BYOD era in schools in New Zealand but the resources aren’t keeping up and this is why EduFuture wants to create the education of the future, we have a vision of a fully tech integrated education system that will increase student interaction and learning. We will strive to achieve a level beyond Excellence, to create long lasting impact and revolutionise for the future. </a:t>
+            </a:r>
+          </a:p>
+          <a:p>
+            <a:endParaRPr lang="en-NZ" dirty="0"/>
+          </a:p>
+        </p:txBody>
+      </p:sp>
+    </p:spTree>
+    <p:extLst>
+      <p:ext uri="{BB962C8B-B14F-4D97-AF65-F5344CB8AC3E}">
+        <p14:creationId xmlns:p14="http://schemas.microsoft.com/office/powerpoint/2010/main" val="2042359215"/>
+      </p:ext>
+    </p:extLst>
+  </p:cSld>
+  <p:clrMapOvr>
+    <a:masterClrMapping/>
+  </p:clrMapOvr>
+</p:sld>
+</file>
+
+<file path=ppt/slides/slide8.xml><?xml version="1.0" encoding="utf-8"?>
+<p:sld xmlns:a="http://schemas.openxmlformats.org/drawingml/2006/main" xmlns:r="http://schemas.openxmlformats.org/officeDocument/2006/relationships" xmlns:p="http://schemas.openxmlformats.org/presentationml/2006/main">
+  <p:cSld>
+    <p:spTree>
+      <p:nvGrpSpPr>
+        <p:cNvPr id="1" name=""/>
+        <p:cNvGrpSpPr/>
+        <p:nvPr/>
+      </p:nvGrpSpPr>
+      <p:grpSpPr>
+        <a:xfrm>
+          <a:off x="0" y="0"/>
+          <a:ext cx="0" cy="0"/>
+          <a:chOff x="0" y="0"/>
+          <a:chExt cx="0" cy="0"/>
+        </a:xfrm>
+      </p:grpSpPr>
+      <p:sp>
+        <p:nvSpPr>
+          <p:cNvPr id="2" name="Title 1"/>
+          <p:cNvSpPr>
+            <a:spLocks noGrp="1"/>
+          </p:cNvSpPr>
+          <p:nvPr>
+            <p:ph type="title"/>
+          </p:nvPr>
+        </p:nvSpPr>
+        <p:spPr/>
+        <p:txBody>
+          <a:bodyPr/>
+          <a:lstStyle/>
+          <a:p>
             <a:pPr lvl="0" algn="ctr"/>
             <a:r>
               <a:rPr lang="en-NZ" b="1" dirty="0"/>
-              <a:t>Tomorrows Education </a:t>
-            </a:r>
-            <a:r>
-              <a:rPr lang="en-NZ" b="1" dirty="0" smtClean="0"/>
-              <a:t>Today</a:t>
+              <a:t>Tomorrows Education Today</a:t>
             </a:r>
             <a:endParaRPr lang="en-NZ" dirty="0"/>
           </a:p>
@@ -10226,34 +10907,22 @@
               <a:buNone/>
             </a:pPr>
             <a:r>
-              <a:rPr lang="en-NZ" dirty="0" smtClean="0"/>
-              <a:t>Project </a:t>
-            </a:r>
-            <a:r>
               <a:rPr lang="en-NZ" dirty="0"/>
-              <a:t>Pantheon will deliver a high quality Classics based educational interactive </a:t>
-            </a:r>
-            <a:r>
-              <a:rPr lang="en-NZ" dirty="0" smtClean="0"/>
-              <a:t>resource</a:t>
+              <a:t>Project Pantheon will deliver a high quality Classics based educational interactive resource</a:t>
             </a:r>
           </a:p>
           <a:p>
             <a:pPr lvl="0"/>
             <a:r>
-              <a:rPr lang="en-NZ" dirty="0" smtClean="0"/>
+              <a:rPr lang="en-NZ" dirty="0"/>
               <a:t>Learning through interaction is a proven technique to increase student enjoyment and knowledge retention</a:t>
             </a:r>
           </a:p>
           <a:p>
             <a:pPr lvl="0"/>
             <a:r>
-              <a:rPr lang="en-NZ" dirty="0" smtClean="0"/>
-              <a:t>Low </a:t>
-            </a:r>
-            <a:r>
               <a:rPr lang="en-NZ" dirty="0"/>
-              <a:t>Cost to students and schools</a:t>
+              <a:t>Low Cost to students and schools</a:t>
             </a:r>
           </a:p>
           <a:p>
@@ -10281,7 +10950,7 @@
 </p:sld>
 </file>
 
-<file path=ppt/slides/slide7.xml><?xml version="1.0" encoding="utf-8"?>
+<file path=ppt/slides/slide9.xml><?xml version="1.0" encoding="utf-8"?>
 <p:sld xmlns:a="http://schemas.openxmlformats.org/drawingml/2006/main" xmlns:r="http://schemas.openxmlformats.org/officeDocument/2006/relationships" xmlns:p="http://schemas.openxmlformats.org/presentationml/2006/main">
   <p:cSld>
     <p:spTree>
@@ -10422,392 +11091,6 @@
     <p:extLst>
       <p:ext uri="{BB962C8B-B14F-4D97-AF65-F5344CB8AC3E}">
         <p14:creationId xmlns:p14="http://schemas.microsoft.com/office/powerpoint/2010/main" val="424947204"/>
-      </p:ext>
-    </p:extLst>
-  </p:cSld>
-  <p:clrMapOvr>
-    <a:masterClrMapping/>
-  </p:clrMapOvr>
-</p:sld>
-</file>
-
-<file path=ppt/slides/slide8.xml><?xml version="1.0" encoding="utf-8"?>
-<p:sld xmlns:a="http://schemas.openxmlformats.org/drawingml/2006/main" xmlns:r="http://schemas.openxmlformats.org/officeDocument/2006/relationships" xmlns:p="http://schemas.openxmlformats.org/presentationml/2006/main">
-  <p:cSld>
-    <p:spTree>
-      <p:nvGrpSpPr>
-        <p:cNvPr id="1" name="Shape 59"/>
-        <p:cNvGrpSpPr/>
-        <p:nvPr/>
-      </p:nvGrpSpPr>
-      <p:grpSpPr>
-        <a:xfrm>
-          <a:off x="0" y="0"/>
-          <a:ext cx="0" cy="0"/>
-          <a:chOff x="0" y="0"/>
-          <a:chExt cx="0" cy="0"/>
-        </a:xfrm>
-      </p:grpSpPr>
-      <p:sp>
-        <p:nvSpPr>
-          <p:cNvPr id="60" name="Shape 60"/>
-          <p:cNvSpPr txBox="1">
-            <a:spLocks noGrp="1"/>
-          </p:cNvSpPr>
-          <p:nvPr>
-            <p:ph type="ctrTitle"/>
-          </p:nvPr>
-        </p:nvSpPr>
-        <p:spPr>
-          <a:xfrm>
-            <a:off x="415600" y="759833"/>
-            <a:ext cx="11360800" cy="1056800"/>
-          </a:xfrm>
-          <a:prstGeom prst="rect">
-            <a:avLst/>
-          </a:prstGeom>
-        </p:spPr>
-        <p:txBody>
-          <a:bodyPr spcFirstLastPara="1" vert="horz" wrap="square" lIns="121900" tIns="121900" rIns="121900" bIns="121900" rtlCol="0" anchor="b" anchorCtr="0">
-            <a:noAutofit/>
-          </a:bodyPr>
-          <a:lstStyle/>
-          <a:p>
-            <a:pPr>
-              <a:spcBef>
-                <a:spcPts val="0"/>
-              </a:spcBef>
-            </a:pPr>
-            <a:r>
-              <a:rPr lang="en" b="1" dirty="0"/>
-              <a:t>Opportunity/Competition</a:t>
-            </a:r>
-            <a:endParaRPr b="1" dirty="0"/>
-          </a:p>
-        </p:txBody>
-      </p:sp>
-      <p:sp>
-        <p:nvSpPr>
-          <p:cNvPr id="61" name="Shape 61"/>
-          <p:cNvSpPr txBox="1">
-            <a:spLocks noGrp="1"/>
-          </p:cNvSpPr>
-          <p:nvPr>
-            <p:ph type="subTitle" idx="1"/>
-          </p:nvPr>
-        </p:nvSpPr>
-        <p:spPr>
-          <a:xfrm>
-            <a:off x="415600" y="2200700"/>
-            <a:ext cx="11360800" cy="3624800"/>
-          </a:xfrm>
-          <a:prstGeom prst="rect">
-            <a:avLst/>
-          </a:prstGeom>
-        </p:spPr>
-        <p:txBody>
-          <a:bodyPr spcFirstLastPara="1" vert="horz" wrap="square" lIns="121900" tIns="121900" rIns="121900" bIns="121900" rtlCol="0" anchor="t" anchorCtr="0">
-            <a:noAutofit/>
-          </a:bodyPr>
-          <a:lstStyle/>
-          <a:p>
-            <a:pPr marL="609585" indent="-541853" algn="l">
-              <a:spcBef>
-                <a:spcPts val="0"/>
-              </a:spcBef>
-              <a:buSzPts val="2800"/>
-              <a:buChar char="-"/>
-            </a:pPr>
-            <a:r>
-              <a:rPr lang="en" dirty="0"/>
-              <a:t>Other classic resources</a:t>
-            </a:r>
-            <a:endParaRPr dirty="0"/>
-          </a:p>
-          <a:p>
-            <a:pPr marL="609585" indent="-541853" algn="l">
-              <a:spcBef>
-                <a:spcPts val="0"/>
-              </a:spcBef>
-              <a:buSzPts val="2800"/>
-              <a:buChar char="-"/>
-            </a:pPr>
-            <a:r>
-              <a:rPr lang="en" dirty="0"/>
-              <a:t>Supporting research</a:t>
-            </a:r>
-            <a:endParaRPr dirty="0"/>
-          </a:p>
-          <a:p>
-            <a:pPr marL="609585" indent="-541853" algn="l">
-              <a:spcBef>
-                <a:spcPts val="0"/>
-              </a:spcBef>
-              <a:buSzPts val="2800"/>
-              <a:buChar char="-"/>
-            </a:pPr>
-            <a:r>
-              <a:rPr lang="en" dirty="0"/>
-              <a:t>Nature of competing games</a:t>
-            </a:r>
-            <a:endParaRPr dirty="0"/>
-          </a:p>
-          <a:p>
-            <a:pPr algn="l">
-              <a:spcBef>
-                <a:spcPts val="0"/>
-              </a:spcBef>
-            </a:pPr>
-            <a:endParaRPr dirty="0"/>
-          </a:p>
-          <a:p>
-            <a:pPr algn="l">
-              <a:spcBef>
-                <a:spcPts val="0"/>
-              </a:spcBef>
-            </a:pPr>
-            <a:endParaRPr dirty="0"/>
-          </a:p>
-        </p:txBody>
-      </p:sp>
-    </p:spTree>
-    <p:extLst>
-      <p:ext uri="{BB962C8B-B14F-4D97-AF65-F5344CB8AC3E}">
-        <p14:creationId xmlns:p14="http://schemas.microsoft.com/office/powerpoint/2010/main" val="3892198745"/>
-      </p:ext>
-    </p:extLst>
-  </p:cSld>
-  <p:clrMapOvr>
-    <a:masterClrMapping/>
-  </p:clrMapOvr>
-</p:sld>
-</file>
-
-<file path=ppt/slides/slide9.xml><?xml version="1.0" encoding="utf-8"?>
-<p:sld xmlns:a="http://schemas.openxmlformats.org/drawingml/2006/main" xmlns:r="http://schemas.openxmlformats.org/officeDocument/2006/relationships" xmlns:p="http://schemas.openxmlformats.org/presentationml/2006/main">
-  <p:cSld>
-    <p:spTree>
-      <p:nvGrpSpPr>
-        <p:cNvPr id="1" name="Shape 65"/>
-        <p:cNvGrpSpPr/>
-        <p:nvPr/>
-      </p:nvGrpSpPr>
-      <p:grpSpPr>
-        <a:xfrm>
-          <a:off x="0" y="0"/>
-          <a:ext cx="0" cy="0"/>
-          <a:chOff x="0" y="0"/>
-          <a:chExt cx="0" cy="0"/>
-        </a:xfrm>
-      </p:grpSpPr>
-      <p:sp>
-        <p:nvSpPr>
-          <p:cNvPr id="66" name="Shape 66"/>
-          <p:cNvSpPr txBox="1">
-            <a:spLocks noGrp="1"/>
-          </p:cNvSpPr>
-          <p:nvPr>
-            <p:ph type="title"/>
-          </p:nvPr>
-        </p:nvSpPr>
-        <p:spPr>
-          <a:xfrm>
-            <a:off x="415600" y="593367"/>
-            <a:ext cx="11360800" cy="763600"/>
-          </a:xfrm>
-          <a:prstGeom prst="rect">
-            <a:avLst/>
-          </a:prstGeom>
-        </p:spPr>
-        <p:txBody>
-          <a:bodyPr spcFirstLastPara="1" vert="horz" wrap="square" lIns="121900" tIns="121900" rIns="121900" bIns="121900" rtlCol="0" anchor="t" anchorCtr="0">
-            <a:noAutofit/>
-          </a:bodyPr>
-          <a:lstStyle/>
-          <a:p>
-            <a:pPr algn="ctr"/>
-            <a:r>
-              <a:rPr lang="en" b="1" dirty="0"/>
-              <a:t>Timeline</a:t>
-            </a:r>
-            <a:endParaRPr b="1" dirty="0"/>
-          </a:p>
-          <a:p>
-            <a:endParaRPr dirty="0"/>
-          </a:p>
-        </p:txBody>
-      </p:sp>
-      <p:sp>
-        <p:nvSpPr>
-          <p:cNvPr id="67" name="Shape 67"/>
-          <p:cNvSpPr txBox="1">
-            <a:spLocks noGrp="1"/>
-          </p:cNvSpPr>
-          <p:nvPr>
-            <p:ph type="body" idx="1"/>
-          </p:nvPr>
-        </p:nvSpPr>
-        <p:spPr>
-          <a:xfrm>
-            <a:off x="415600" y="1536633"/>
-            <a:ext cx="11360800" cy="4555200"/>
-          </a:xfrm>
-          <a:prstGeom prst="rect">
-            <a:avLst/>
-          </a:prstGeom>
-        </p:spPr>
-        <p:txBody>
-          <a:bodyPr spcFirstLastPara="1" vert="horz" wrap="square" lIns="121900" tIns="121900" rIns="121900" bIns="121900" rtlCol="0" anchor="t" anchorCtr="0">
-            <a:noAutofit/>
-          </a:bodyPr>
-          <a:lstStyle/>
-          <a:p>
-            <a:pPr marL="0" indent="0">
-              <a:buNone/>
-            </a:pPr>
-            <a:r>
-              <a:rPr lang="en"/>
-              <a:t>First Semester:</a:t>
-            </a:r>
-            <a:endParaRPr/>
-          </a:p>
-          <a:p>
-            <a:pPr indent="-423323">
-              <a:buClr>
-                <a:schemeClr val="dk1"/>
-              </a:buClr>
-              <a:buSzPts val="1400"/>
-              <a:buAutoNum type="arabicPeriod"/>
-            </a:pPr>
-            <a:r>
-              <a:rPr lang="en" sz="1867"/>
-              <a:t>Game proposal document</a:t>
-            </a:r>
-            <a:endParaRPr sz="1867"/>
-          </a:p>
-          <a:p>
-            <a:pPr indent="-423323">
-              <a:buClr>
-                <a:schemeClr val="dk1"/>
-              </a:buClr>
-              <a:buSzPts val="1400"/>
-              <a:buAutoNum type="arabicPeriod"/>
-            </a:pPr>
-            <a:r>
-              <a:rPr lang="en" sz="1867"/>
-              <a:t>Complete project plan outline (Gantt chart, SDLC principles, etc)</a:t>
-            </a:r>
-            <a:endParaRPr sz="1867"/>
-          </a:p>
-          <a:p>
-            <a:pPr indent="-423323">
-              <a:buClr>
-                <a:schemeClr val="dk1"/>
-              </a:buClr>
-              <a:buSzPts val="1400"/>
-              <a:buAutoNum type="arabicPeriod"/>
-            </a:pPr>
-            <a:r>
-              <a:rPr lang="en" sz="1867"/>
-              <a:t>Game skeleton (Mechanics and UI)</a:t>
-            </a:r>
-            <a:endParaRPr sz="1867"/>
-          </a:p>
-          <a:p>
-            <a:pPr indent="-423323">
-              <a:buClr>
-                <a:schemeClr val="dk1"/>
-              </a:buClr>
-              <a:buSzPts val="1400"/>
-              <a:buAutoNum type="arabicPeriod"/>
-            </a:pPr>
-            <a:r>
-              <a:rPr lang="en" sz="1867"/>
-              <a:t>Research document (what information are we including and how does it compare to existing resources)</a:t>
-            </a:r>
-            <a:endParaRPr sz="1867"/>
-          </a:p>
-          <a:p>
-            <a:pPr indent="-423323">
-              <a:buClr>
-                <a:schemeClr val="dk1"/>
-              </a:buClr>
-              <a:buSzPts val="1400"/>
-              <a:buAutoNum type="arabicPeriod"/>
-            </a:pPr>
-            <a:r>
-              <a:rPr lang="en" sz="1867"/>
-              <a:t>Alpha development</a:t>
-            </a:r>
-            <a:endParaRPr sz="1867"/>
-          </a:p>
-          <a:p>
-            <a:pPr marL="0" indent="0">
-              <a:buNone/>
-            </a:pPr>
-            <a:r>
-              <a:rPr lang="en"/>
-              <a:t>Second Semester:</a:t>
-            </a:r>
-            <a:endParaRPr/>
-          </a:p>
-          <a:p>
-            <a:pPr indent="-423323">
-              <a:buClr>
-                <a:schemeClr val="dk1"/>
-              </a:buClr>
-              <a:buSzPts val="1400"/>
-              <a:buAutoNum type="arabicPeriod"/>
-            </a:pPr>
-            <a:r>
-              <a:rPr lang="en" sz="1867"/>
-              <a:t>Test requirements document</a:t>
-            </a:r>
-            <a:endParaRPr sz="1867"/>
-          </a:p>
-          <a:p>
-            <a:pPr indent="-423323">
-              <a:buClr>
-                <a:schemeClr val="dk1"/>
-              </a:buClr>
-              <a:buSzPts val="1400"/>
-              <a:buAutoNum type="arabicPeriod"/>
-            </a:pPr>
-            <a:r>
-              <a:rPr lang="en" sz="1867"/>
-              <a:t>Feedback analysis for requirements</a:t>
-            </a:r>
-            <a:endParaRPr sz="1867"/>
-          </a:p>
-          <a:p>
-            <a:pPr indent="-423323">
-              <a:buClr>
-                <a:schemeClr val="dk1"/>
-              </a:buClr>
-              <a:buSzPts val="1400"/>
-              <a:buAutoNum type="arabicPeriod"/>
-            </a:pPr>
-            <a:r>
-              <a:rPr lang="en" sz="1867"/>
-              <a:t>Final Prototype</a:t>
-            </a:r>
-            <a:endParaRPr sz="1867"/>
-          </a:p>
-          <a:p>
-            <a:pPr marL="0" indent="0">
-              <a:spcAft>
-                <a:spcPts val="2133"/>
-              </a:spcAft>
-              <a:buNone/>
-            </a:pPr>
-            <a:endParaRPr/>
-          </a:p>
-        </p:txBody>
-      </p:sp>
-    </p:spTree>
-    <p:extLst>
-      <p:ext uri="{BB962C8B-B14F-4D97-AF65-F5344CB8AC3E}">
-        <p14:creationId xmlns:p14="http://schemas.microsoft.com/office/powerpoint/2010/main" val="3502963255"/>
       </p:ext>
     </p:extLst>
   </p:cSld>
